--- a/OnGro ,G.5/ONGRO1.pptx
+++ b/OnGro ,G.5/ONGRO1.pptx
@@ -120,6 +120,22 @@
       </a:defRPr>
     </a:lvl9pPr>
   </p:defaultTextStyle>
+  <p:extLst>
+    <p:ext uri="{EFAFB233-063F-42B5-8137-9DF3F51BA10A}">
+      <p15:sldGuideLst xmlns:p15="http://schemas.microsoft.com/office/powerpoint/2012/main">
+        <p15:guide id="1" orient="horz" pos="2160">
+          <p15:clr>
+            <a:srgbClr val="A4A3A4"/>
+          </p15:clr>
+        </p15:guide>
+        <p15:guide id="2" pos="2880">
+          <p15:clr>
+            <a:srgbClr val="A4A3A4"/>
+          </p15:clr>
+        </p15:guide>
+      </p15:sldGuideLst>
+    </p:ext>
+  </p:extLst>
 </p:presentation>
 </file>
 
@@ -377,7 +393,7 @@
     </p:spTree>
     <p:extLst>
       <p:ext uri="{BB962C8B-B14F-4D97-AF65-F5344CB8AC3E}">
-        <p14:creationId xmlns:p14="http://schemas.microsoft.com/office/powerpoint/2010/main" xmlns="" val="1750881434"/>
+        <p14:creationId xmlns:p14="http://schemas.microsoft.com/office/powerpoint/2010/main" val="1750881434"/>
       </p:ext>
     </p:extLst>
   </p:cSld>
@@ -552,6 +568,11 @@
         </p:txBody>
       </p:sp>
     </p:spTree>
+    <p:extLst>
+      <p:ext uri="{BB962C8B-B14F-4D97-AF65-F5344CB8AC3E}">
+        <p14:creationId xmlns:p14="http://schemas.microsoft.com/office/powerpoint/2010/main" val="2031304581"/>
+      </p:ext>
+    </p:extLst>
   </p:cSld>
   <p:clrMapOvr>
     <a:masterClrMapping/>
@@ -634,6 +655,11 @@
         </p:txBody>
       </p:sp>
     </p:spTree>
+    <p:extLst>
+      <p:ext uri="{BB962C8B-B14F-4D97-AF65-F5344CB8AC3E}">
+        <p14:creationId xmlns:p14="http://schemas.microsoft.com/office/powerpoint/2010/main" val="2830863760"/>
+      </p:ext>
+    </p:extLst>
   </p:cSld>
   <p:clrMapOvr>
     <a:masterClrMapping/>
@@ -716,6 +742,11 @@
         </p:txBody>
       </p:sp>
     </p:spTree>
+    <p:extLst>
+      <p:ext uri="{BB962C8B-B14F-4D97-AF65-F5344CB8AC3E}">
+        <p14:creationId xmlns:p14="http://schemas.microsoft.com/office/powerpoint/2010/main" val="2644926670"/>
+      </p:ext>
+    </p:extLst>
   </p:cSld>
   <p:clrMapOvr>
     <a:masterClrMapping/>
@@ -798,6 +829,11 @@
         </p:txBody>
       </p:sp>
     </p:spTree>
+    <p:extLst>
+      <p:ext uri="{BB962C8B-B14F-4D97-AF65-F5344CB8AC3E}">
+        <p14:creationId xmlns:p14="http://schemas.microsoft.com/office/powerpoint/2010/main" val="1504560758"/>
+      </p:ext>
+    </p:extLst>
   </p:cSld>
   <p:clrMapOvr>
     <a:masterClrMapping/>
@@ -880,6 +916,11 @@
         </p:txBody>
       </p:sp>
     </p:spTree>
+    <p:extLst>
+      <p:ext uri="{BB962C8B-B14F-4D97-AF65-F5344CB8AC3E}">
+        <p14:creationId xmlns:p14="http://schemas.microsoft.com/office/powerpoint/2010/main" val="1216227002"/>
+      </p:ext>
+    </p:extLst>
   </p:cSld>
   <p:clrMapOvr>
     <a:masterClrMapping/>
@@ -962,6 +1003,11 @@
         </p:txBody>
       </p:sp>
     </p:spTree>
+    <p:extLst>
+      <p:ext uri="{BB962C8B-B14F-4D97-AF65-F5344CB8AC3E}">
+        <p14:creationId xmlns:p14="http://schemas.microsoft.com/office/powerpoint/2010/main" val="1862197237"/>
+      </p:ext>
+    </p:extLst>
   </p:cSld>
   <p:clrMapOvr>
     <a:masterClrMapping/>
@@ -1044,7 +1090,7 @@
     </p:spTree>
     <p:extLst>
       <p:ext uri="{BB962C8B-B14F-4D97-AF65-F5344CB8AC3E}">
-        <p14:creationId xmlns:p14="http://schemas.microsoft.com/office/powerpoint/2010/main" xmlns="" val="3648050642"/>
+        <p14:creationId xmlns:p14="http://schemas.microsoft.com/office/powerpoint/2010/main" val="3648050642"/>
       </p:ext>
     </p:extLst>
   </p:cSld>
@@ -6169,7 +6215,7 @@
     </p:spTree>
     <p:extLst>
       <p:ext uri="{BB962C8B-B14F-4D97-AF65-F5344CB8AC3E}">
-        <p14:creationId xmlns:p14="http://schemas.microsoft.com/office/powerpoint/2010/main" xmlns="" val="3595242997"/>
+        <p14:creationId xmlns:p14="http://schemas.microsoft.com/office/powerpoint/2010/main" val="3595242997"/>
       </p:ext>
     </p:extLst>
   </p:cSld>
@@ -6371,7 +6417,7 @@
     </p:spTree>
     <p:extLst>
       <p:ext uri="{BB962C8B-B14F-4D97-AF65-F5344CB8AC3E}">
-        <p14:creationId xmlns:p14="http://schemas.microsoft.com/office/powerpoint/2010/main" xmlns="" val="3075702018"/>
+        <p14:creationId xmlns:p14="http://schemas.microsoft.com/office/powerpoint/2010/main" val="3075702018"/>
       </p:ext>
     </p:extLst>
   </p:cSld>
@@ -6649,7 +6695,7 @@
     </p:spTree>
     <p:extLst>
       <p:ext uri="{BB962C8B-B14F-4D97-AF65-F5344CB8AC3E}">
-        <p14:creationId xmlns:p14="http://schemas.microsoft.com/office/powerpoint/2010/main" xmlns="" val="3024509135"/>
+        <p14:creationId xmlns:p14="http://schemas.microsoft.com/office/powerpoint/2010/main" val="3024509135"/>
       </p:ext>
     </p:extLst>
   </p:cSld>
@@ -6926,7 +6972,7 @@
     </p:spTree>
     <p:extLst>
       <p:ext uri="{BB962C8B-B14F-4D97-AF65-F5344CB8AC3E}">
-        <p14:creationId xmlns:p14="http://schemas.microsoft.com/office/powerpoint/2010/main" xmlns="" val="3790113353"/>
+        <p14:creationId xmlns:p14="http://schemas.microsoft.com/office/powerpoint/2010/main" val="3790113353"/>
       </p:ext>
     </p:extLst>
   </p:cSld>
@@ -7343,7 +7389,7 @@
     </p:spTree>
     <p:extLst>
       <p:ext uri="{BB962C8B-B14F-4D97-AF65-F5344CB8AC3E}">
-        <p14:creationId xmlns:p14="http://schemas.microsoft.com/office/powerpoint/2010/main" xmlns="" val="3376969748"/>
+        <p14:creationId xmlns:p14="http://schemas.microsoft.com/office/powerpoint/2010/main" val="3376969748"/>
       </p:ext>
     </p:extLst>
   </p:cSld>
@@ -7487,7 +7533,7 @@
     </p:spTree>
     <p:extLst>
       <p:ext uri="{BB962C8B-B14F-4D97-AF65-F5344CB8AC3E}">
-        <p14:creationId xmlns:p14="http://schemas.microsoft.com/office/powerpoint/2010/main" xmlns="" val="762936912"/>
+        <p14:creationId xmlns:p14="http://schemas.microsoft.com/office/powerpoint/2010/main" val="762936912"/>
       </p:ext>
     </p:extLst>
   </p:cSld>
@@ -7602,7 +7648,7 @@
     </p:spTree>
     <p:extLst>
       <p:ext uri="{BB962C8B-B14F-4D97-AF65-F5344CB8AC3E}">
-        <p14:creationId xmlns:p14="http://schemas.microsoft.com/office/powerpoint/2010/main" xmlns="" val="1670736622"/>
+        <p14:creationId xmlns:p14="http://schemas.microsoft.com/office/powerpoint/2010/main" val="1670736622"/>
       </p:ext>
     </p:extLst>
   </p:cSld>
@@ -8165,7 +8211,7 @@
     </p:spTree>
     <p:extLst>
       <p:ext uri="{BB962C8B-B14F-4D97-AF65-F5344CB8AC3E}">
-        <p14:creationId xmlns:p14="http://schemas.microsoft.com/office/powerpoint/2010/main" xmlns="" val="1610207792"/>
+        <p14:creationId xmlns:p14="http://schemas.microsoft.com/office/powerpoint/2010/main" val="1610207792"/>
       </p:ext>
     </p:extLst>
   </p:cSld>
@@ -8460,7 +8506,7 @@
     </p:spTree>
     <p:extLst>
       <p:ext uri="{BB962C8B-B14F-4D97-AF65-F5344CB8AC3E}">
-        <p14:creationId xmlns:p14="http://schemas.microsoft.com/office/powerpoint/2010/main" xmlns="" val="3251888308"/>
+        <p14:creationId xmlns:p14="http://schemas.microsoft.com/office/powerpoint/2010/main" val="3251888308"/>
       </p:ext>
     </p:extLst>
   </p:cSld>
@@ -8662,7 +8708,7 @@
     </p:spTree>
     <p:extLst>
       <p:ext uri="{BB962C8B-B14F-4D97-AF65-F5344CB8AC3E}">
-        <p14:creationId xmlns:p14="http://schemas.microsoft.com/office/powerpoint/2010/main" xmlns="" val="578626749"/>
+        <p14:creationId xmlns:p14="http://schemas.microsoft.com/office/powerpoint/2010/main" val="578626749"/>
       </p:ext>
     </p:extLst>
   </p:cSld>
@@ -8874,7 +8920,7 @@
     </p:spTree>
     <p:extLst>
       <p:ext uri="{BB962C8B-B14F-4D97-AF65-F5344CB8AC3E}">
-        <p14:creationId xmlns:p14="http://schemas.microsoft.com/office/powerpoint/2010/main" xmlns="" val="3700999421"/>
+        <p14:creationId xmlns:p14="http://schemas.microsoft.com/office/powerpoint/2010/main" val="3700999421"/>
       </p:ext>
     </p:extLst>
   </p:cSld>
@@ -11889,7 +11935,7 @@
     </p:spTree>
     <p:extLst>
       <p:ext uri="{BB962C8B-B14F-4D97-AF65-F5344CB8AC3E}">
-        <p14:creationId xmlns:p14="http://schemas.microsoft.com/office/powerpoint/2010/main" xmlns="" val="3243466273"/>
+        <p14:creationId xmlns:p14="http://schemas.microsoft.com/office/powerpoint/2010/main" val="3243466273"/>
       </p:ext>
     </p:extLst>
   </p:cSld>
@@ -12358,7 +12404,7 @@
           <a:blip r:embed="rId4">
             <a:extLst>
               <a:ext uri="{28A0092B-C50C-407E-A947-70E740481C1C}">
-                <a14:useLocalDpi xmlns:a14="http://schemas.microsoft.com/office/drawing/2010/main" xmlns="" val="0"/>
+                <a14:useLocalDpi xmlns:a14="http://schemas.microsoft.com/office/drawing/2010/main" val="0"/>
               </a:ext>
             </a:extLst>
           </a:blip>
@@ -12378,7 +12424,7 @@
           <a:noFill/>
           <a:extLst>
             <a:ext uri="{909E8E84-426E-40DD-AFC4-6F175D3DCCD1}">
-              <a14:hiddenFill xmlns:a14="http://schemas.microsoft.com/office/drawing/2010/main" xmlns="">
+              <a14:hiddenFill xmlns:a14="http://schemas.microsoft.com/office/drawing/2010/main">
                 <a:solidFill>
                   <a:srgbClr val="FFFFFF"/>
                 </a:solidFill>
@@ -12526,16 +12572,72 @@
                 <a:latin typeface="Arial" pitchFamily="34" charset="0"/>
                 <a:cs typeface="Arial" pitchFamily="34" charset="0"/>
               </a:rPr>
-              <a:t>has been developed on MERN. The main aim for developing this project where customer can purchase and order groceries online. The system is very useful for customer can easily but the grocery products from home through internet.</a:t>
-            </a:r>
-          </a:p>
-          <a:p>
+              <a:t>has been developed on MERN. The main aim for developing this project where customer can purchase and order groceries online. The system is very useful for </a:t>
+            </a:r>
             <a:r>
               <a:rPr lang="en-US" dirty="0" smtClean="0">
                 <a:latin typeface="Arial" pitchFamily="34" charset="0"/>
                 <a:cs typeface="Arial" pitchFamily="34" charset="0"/>
               </a:rPr>
-              <a:t>The system reduces lot of work load for customer as well as owner. By this system online grocery shopping the product is directly delivered to customer address.</a:t>
+              <a:t>customer. They </a:t>
+            </a:r>
+            <a:r>
+              <a:rPr lang="en-US" dirty="0" smtClean="0">
+                <a:latin typeface="Arial" pitchFamily="34" charset="0"/>
+                <a:cs typeface="Arial" pitchFamily="34" charset="0"/>
+              </a:rPr>
+              <a:t>can easily </a:t>
+            </a:r>
+            <a:r>
+              <a:rPr lang="en-US" dirty="0" smtClean="0">
+                <a:latin typeface="Arial" pitchFamily="34" charset="0"/>
+                <a:cs typeface="Arial" pitchFamily="34" charset="0"/>
+              </a:rPr>
+              <a:t>buy </a:t>
+            </a:r>
+            <a:r>
+              <a:rPr lang="en-US" dirty="0" smtClean="0">
+                <a:latin typeface="Arial" pitchFamily="34" charset="0"/>
+                <a:cs typeface="Arial" pitchFamily="34" charset="0"/>
+              </a:rPr>
+              <a:t>the grocery products from home through internet.</a:t>
+            </a:r>
+          </a:p>
+          <a:p>
+            <a:r>
+              <a:rPr lang="en-US" dirty="0" smtClean="0">
+                <a:latin typeface="Arial" pitchFamily="34" charset="0"/>
+                <a:cs typeface="Arial" pitchFamily="34" charset="0"/>
+              </a:rPr>
+              <a:t>The system reduces lot of work load for customer as well as owner. By </a:t>
+            </a:r>
+            <a:r>
+              <a:rPr lang="en-US" dirty="0" smtClean="0">
+                <a:latin typeface="Arial" pitchFamily="34" charset="0"/>
+                <a:cs typeface="Arial" pitchFamily="34" charset="0"/>
+              </a:rPr>
+              <a:t>this </a:t>
+            </a:r>
+            <a:r>
+              <a:rPr lang="en-US" dirty="0" smtClean="0">
+                <a:latin typeface="Arial" pitchFamily="34" charset="0"/>
+                <a:cs typeface="Arial" pitchFamily="34" charset="0"/>
+              </a:rPr>
+              <a:t>online grocery </a:t>
+            </a:r>
+            <a:r>
+              <a:rPr lang="en-US" dirty="0" smtClean="0">
+                <a:latin typeface="Arial" pitchFamily="34" charset="0"/>
+                <a:cs typeface="Arial" pitchFamily="34" charset="0"/>
+              </a:rPr>
+              <a:t>shopping, </a:t>
+            </a:r>
+            <a:r>
+              <a:rPr lang="en-US" dirty="0" smtClean="0">
+                <a:latin typeface="Arial" pitchFamily="34" charset="0"/>
+                <a:cs typeface="Arial" pitchFamily="34" charset="0"/>
+              </a:rPr>
+              <a:t>the product is directly delivered to customer address.</a:t>
             </a:r>
             <a:endParaRPr lang="en-US" dirty="0">
               <a:latin typeface="Arial" pitchFamily="34" charset="0"/>
@@ -13159,7 +13261,7 @@
     </p:spTree>
     <p:extLst>
       <p:ext uri="{BB962C8B-B14F-4D97-AF65-F5344CB8AC3E}">
-        <p14:creationId xmlns:p14="http://schemas.microsoft.com/office/powerpoint/2010/main" xmlns="" val="3916427328"/>
+        <p14:creationId xmlns:p14="http://schemas.microsoft.com/office/powerpoint/2010/main" val="3916427328"/>
       </p:ext>
     </p:extLst>
   </p:cSld>
@@ -13224,29 +13326,7 @@
                 </a:solidFill>
                 <a:latin typeface="+mj-lt"/>
               </a:rPr>
-              <a:t>Functionality performed by </a:t>
-            </a:r>
-            <a:r>
-              <a:rPr lang="en-US" sz="4400" b="1" dirty="0" smtClean="0">
-                <a:solidFill>
-                  <a:schemeClr val="accent6">
-                    <a:lumMod val="50000"/>
-                  </a:schemeClr>
-                </a:solidFill>
-                <a:latin typeface="+mj-lt"/>
-              </a:rPr>
-              <a:t>Admin </a:t>
-            </a:r>
-            <a:r>
-              <a:rPr lang="en-US" sz="4400" b="1" dirty="0" smtClean="0">
-                <a:solidFill>
-                  <a:schemeClr val="accent6">
-                    <a:lumMod val="50000"/>
-                  </a:schemeClr>
-                </a:solidFill>
-                <a:latin typeface="+mj-lt"/>
-              </a:rPr>
-              <a:t>user : </a:t>
+              <a:t>Functionality performed by Amin user : </a:t>
             </a:r>
             <a:endParaRPr lang="en-US" sz="4400" b="1" dirty="0">
               <a:solidFill>
@@ -13268,7 +13348,7 @@
         <p:spPr>
           <a:xfrm>
             <a:off x="899592" y="2243089"/>
-            <a:ext cx="4572000" cy="2092881"/>
+            <a:ext cx="4572000" cy="2523768"/>
           </a:xfrm>
           <a:prstGeom prst="rect">
             <a:avLst/>
@@ -13308,8 +13388,14 @@
                   </a:schemeClr>
                 </a:solidFill>
               </a:rPr>
-              <a:t>Edit </a:t>
-            </a:r>
+              <a:t>Forgot password for Admin</a:t>
+            </a:r>
+          </a:p>
+          <a:p>
+            <a:pPr marL="342900" indent="-342900">
+              <a:buFont typeface="+mj-lt"/>
+              <a:buAutoNum type="arabicPeriod"/>
+            </a:pPr>
             <a:r>
               <a:rPr lang="en-US" sz="2800" dirty="0" smtClean="0">
                 <a:solidFill>
@@ -13318,7 +13404,7 @@
                   </a:schemeClr>
                 </a:solidFill>
               </a:rPr>
-              <a:t>profile for Admin</a:t>
+              <a:t>Edit profile for Admin</a:t>
             </a:r>
           </a:p>
           <a:p>
@@ -13447,7 +13533,7 @@
         <p:spPr>
           <a:xfrm>
             <a:off x="899592" y="2243089"/>
-            <a:ext cx="4572000" cy="3816429"/>
+            <a:ext cx="4572000" cy="4247317"/>
           </a:xfrm>
           <a:prstGeom prst="rect">
             <a:avLst/>
@@ -13503,8 +13589,14 @@
                   </a:schemeClr>
                 </a:solidFill>
               </a:rPr>
-              <a:t>Product </a:t>
-            </a:r>
+              <a:t>Change password</a:t>
+            </a:r>
+          </a:p>
+          <a:p>
+            <a:pPr marL="342900" indent="-342900">
+              <a:buFont typeface="+mj-lt"/>
+              <a:buAutoNum type="arabicPeriod"/>
+            </a:pPr>
             <a:r>
               <a:rPr lang="en-US" sz="2800" dirty="0" smtClean="0">
                 <a:solidFill>
@@ -13513,7 +13605,7 @@
                   </a:schemeClr>
                 </a:solidFill>
               </a:rPr>
-              <a:t>listing</a:t>
+              <a:t>Product listing</a:t>
             </a:r>
           </a:p>
           <a:p>
@@ -13599,7 +13691,7 @@
     </p:spTree>
     <p:extLst>
       <p:ext uri="{BB962C8B-B14F-4D97-AF65-F5344CB8AC3E}">
-        <p14:creationId xmlns:p14="http://schemas.microsoft.com/office/powerpoint/2010/main" xmlns="" val="2634921498"/>
+        <p14:creationId xmlns:p14="http://schemas.microsoft.com/office/powerpoint/2010/main" val="2634921498"/>
       </p:ext>
     </p:extLst>
   </p:cSld>
@@ -13817,6 +13909,36 @@
               </a:rPr>
               <a:t> 	  </a:t>
             </a:r>
+            <a:r>
+              <a:rPr lang="en-US" sz="3200" dirty="0" err="1" smtClean="0">
+                <a:solidFill>
+                  <a:schemeClr val="accent5">
+                    <a:lumMod val="75000"/>
+                  </a:schemeClr>
+                </a:solidFill>
+              </a:rPr>
+              <a:t>Reactjs</a:t>
+            </a:r>
+            <a:r>
+              <a:rPr lang="en-US" sz="3200" dirty="0" smtClean="0">
+                <a:solidFill>
+                  <a:schemeClr val="accent5">
+                    <a:lumMod val="75000"/>
+                  </a:schemeClr>
+                </a:solidFill>
+              </a:rPr>
+              <a:t>, </a:t>
+            </a:r>
+            <a:r>
+              <a:rPr lang="en-US" sz="3200" dirty="0" err="1" smtClean="0">
+                <a:solidFill>
+                  <a:schemeClr val="accent5">
+                    <a:lumMod val="75000"/>
+                  </a:schemeClr>
+                </a:solidFill>
+              </a:rPr>
+              <a:t>Tailwindcss</a:t>
+            </a:r>
             <a:endParaRPr lang="en-US" sz="3200" dirty="0">
               <a:solidFill>
                 <a:schemeClr val="accent5">
@@ -13834,7 +13956,7 @@
     </p:spTree>
     <p:extLst>
       <p:ext uri="{BB962C8B-B14F-4D97-AF65-F5344CB8AC3E}">
-        <p14:creationId xmlns:p14="http://schemas.microsoft.com/office/powerpoint/2010/main" xmlns="" val="2474074225"/>
+        <p14:creationId xmlns:p14="http://schemas.microsoft.com/office/powerpoint/2010/main" val="2474074225"/>
       </p:ext>
     </p:extLst>
   </p:cSld>
@@ -13925,14 +14047,14 @@
           <p:nvPr>
             <p:extLst>
               <p:ext uri="{D42A27DB-BD31-4B8C-83A1-F6EECF244321}">
-                <p14:modId xmlns:p14="http://schemas.microsoft.com/office/powerpoint/2010/main" xmlns="" val="2524014946"/>
+                <p14:modId xmlns:p14="http://schemas.microsoft.com/office/powerpoint/2010/main" val="2524014946"/>
               </p:ext>
             </p:extLst>
           </p:nvPr>
         </p:nvGraphicFramePr>
         <p:xfrm>
           <a:off x="827584" y="1628800"/>
-          <a:ext cx="7056783" cy="3479800"/>
+          <a:ext cx="7056783" cy="3749040"/>
         </p:xfrm>
         <a:graphic>
           <a:graphicData uri="http://schemas.openxmlformats.org/drawingml/2006/table">
@@ -14161,8 +14283,12 @@
                         <a:defRPr/>
                       </a:pPr>
                       <a:r>
+                        <a:rPr lang="en-US" dirty="0" smtClean="0"/>
+                        <a:t>HTML</a:t>
+                      </a:r>
+                      <a:r>
                         <a:rPr lang="en-US" baseline="0" dirty="0" smtClean="0"/>
-                        <a:t>Edge temple engine ,CSS</a:t>
+                        <a:t> , CSS, Edge</a:t>
                       </a:r>
                       <a:endParaRPr lang="en-IN" dirty="0" smtClean="0"/>
                     </a:p>
@@ -14281,8 +14407,8 @@
                         <a:t> , </a:t>
                       </a:r>
                       <a:r>
-                        <a:rPr lang="en-US" baseline="0" dirty="0" smtClean="0"/>
-                        <a:t>express.js</a:t>
+                        <a:rPr lang="en-US" baseline="0" dirty="0" err="1" smtClean="0"/>
+                        <a:t>expressjs</a:t>
                       </a:r>
                       <a:endParaRPr lang="en-IN" dirty="0" smtClean="0"/>
                     </a:p>
@@ -14365,7 +14491,7 @@
                     <a:p>
                       <a:r>
                         <a:rPr lang="en-US" dirty="0" err="1" smtClean="0"/>
-                        <a:t>Kshitiz</a:t>
+                        <a:t>Kshitize</a:t>
                       </a:r>
                       <a:r>
                         <a:rPr lang="en-US" dirty="0" smtClean="0"/>
@@ -14386,12 +14512,12 @@
                     <a:lstStyle/>
                     <a:p>
                       <a:r>
-                        <a:rPr lang="en-US" baseline="0" dirty="0" smtClean="0"/>
-                        <a:t> </a:t>
+                        <a:rPr lang="en-US" dirty="0" smtClean="0"/>
+                        <a:t>Back</a:t>
                       </a:r>
                       <a:r>
                         <a:rPr lang="en-US" baseline="0" dirty="0" smtClean="0"/>
-                        <a:t>database</a:t>
+                        <a:t> end , database</a:t>
                       </a:r>
                       <a:endParaRPr lang="en-IN" dirty="0"/>
                     </a:p>
@@ -14405,9 +14531,20 @@
                     <a:p>
                       <a:r>
                         <a:rPr lang="en-US" dirty="0" err="1" smtClean="0"/>
-                        <a:t>MongoDB</a:t>
+                        <a:t>expressJs,MongoDB</a:t>
                       </a:r>
                       <a:endParaRPr lang="en-US" dirty="0" smtClean="0"/>
+                    </a:p>
+                    <a:p>
+                      <a:r>
+                        <a:rPr lang="en-US" dirty="0" smtClean="0"/>
+                        <a:t>, </a:t>
+                      </a:r>
+                      <a:r>
+                        <a:rPr lang="en-US" dirty="0" err="1" smtClean="0"/>
+                        <a:t>Nodejs</a:t>
+                      </a:r>
+                      <a:endParaRPr lang="en-IN" dirty="0"/>
                     </a:p>
                   </a:txBody>
                   <a:tcPr/>
@@ -14420,7 +14557,7 @@
     </p:spTree>
     <p:extLst>
       <p:ext uri="{BB962C8B-B14F-4D97-AF65-F5344CB8AC3E}">
-        <p14:creationId xmlns:p14="http://schemas.microsoft.com/office/powerpoint/2010/main" xmlns="" val="552526821"/>
+        <p14:creationId xmlns:p14="http://schemas.microsoft.com/office/powerpoint/2010/main" val="552526821"/>
       </p:ext>
     </p:extLst>
   </p:cSld>
@@ -14474,7 +14611,7 @@
           <a:blip r:embed="rId2" cstate="print">
             <a:extLst>
               <a:ext uri="{28A0092B-C50C-407E-A947-70E740481C1C}">
-                <a14:useLocalDpi xmlns:a14="http://schemas.microsoft.com/office/drawing/2010/main" xmlns="" val="0"/>
+                <a14:useLocalDpi xmlns:a14="http://schemas.microsoft.com/office/drawing/2010/main" val="0"/>
               </a:ext>
             </a:extLst>
           </a:blip>
@@ -14494,7 +14631,7 @@
           <a:noFill/>
           <a:extLst>
             <a:ext uri="{909E8E84-426E-40DD-AFC4-6F175D3DCCD1}">
-              <a14:hiddenFill xmlns:a14="http://schemas.microsoft.com/office/drawing/2010/main" xmlns="">
+              <a14:hiddenFill xmlns:a14="http://schemas.microsoft.com/office/drawing/2010/main">
                 <a:solidFill>
                   <a:srgbClr val="FFFFFF"/>
                 </a:solidFill>
@@ -14506,7 +14643,7 @@
     </p:spTree>
     <p:extLst>
       <p:ext uri="{BB962C8B-B14F-4D97-AF65-F5344CB8AC3E}">
-        <p14:creationId xmlns:p14="http://schemas.microsoft.com/office/powerpoint/2010/main" xmlns="" val="1268425746"/>
+        <p14:creationId xmlns:p14="http://schemas.microsoft.com/office/powerpoint/2010/main" val="1268425746"/>
       </p:ext>
     </p:extLst>
   </p:cSld>
@@ -15409,7 +15546,7 @@
   <a:extraClrSchemeLst/>
   <a:extLst>
     <a:ext uri="{05A4C25C-085E-4340-85A3-A5531E510DB2}">
-      <thm15:themeFamily xmlns="" xmlns:thm15="http://schemas.microsoft.com/office/thememl/2012/main" name="Office Theme" id="{62F939B6-93AF-4DB8-9C6B-D6C7DFDC589F}" vid="{4A3C46E8-61CC-4603-A589-7422A47A8E4A}"/>
+      <thm15:themeFamily xmlns:thm15="http://schemas.microsoft.com/office/thememl/2012/main" name="Office Theme" id="{62F939B6-93AF-4DB8-9C6B-D6C7DFDC589F}" vid="{4A3C46E8-61CC-4603-A589-7422A47A8E4A}"/>
     </a:ext>
   </a:extLst>
 </a:theme>
